--- a/BDK10-3.pptx
+++ b/BDK10-3.pptx
@@ -583,7 +583,7 @@
               </a14:hiddenFill>
             </a:ext>
             <a:ext uri="{FAA26D3D-D897-4be2-8F04-BA451C77F1D7}">
-              <ma14:placeholderFlag xmlns:ma14="http://schemas.microsoft.com/office/mac/drawingml/2011/main" xmlns="" val="1"/>
+              <ma14:placeholderFlag xmlns="" xmlns:ma14="http://schemas.microsoft.com/office/mac/drawingml/2011/main" val="1"/>
             </a:ext>
           </a:extLst>
         </p:spPr>
@@ -1119,7 +1119,7 @@
               </a14:hiddenLine>
             </a:ext>
             <a:ext uri="{FAA26D3D-D897-4be2-8F04-BA451C77F1D7}">
-              <ma14:placeholderFlag xmlns:ma14="http://schemas.microsoft.com/office/mac/drawingml/2011/main" xmlns="" val="1"/>
+              <ma14:placeholderFlag xmlns="" xmlns:ma14="http://schemas.microsoft.com/office/mac/drawingml/2011/main" val="1"/>
             </a:ext>
           </a:extLst>
         </p:spPr>
@@ -1368,7 +1368,7 @@
               </a14:hiddenLine>
             </a:ext>
             <a:ext uri="{FAA26D3D-D897-4be2-8F04-BA451C77F1D7}">
-              <ma14:placeholderFlag xmlns:ma14="http://schemas.microsoft.com/office/mac/drawingml/2011/main" xmlns="" val="1"/>
+              <ma14:placeholderFlag xmlns="" xmlns:ma14="http://schemas.microsoft.com/office/mac/drawingml/2011/main" val="1"/>
             </a:ext>
           </a:extLst>
         </p:spPr>
@@ -1617,7 +1617,7 @@
               </a14:hiddenLine>
             </a:ext>
             <a:ext uri="{FAA26D3D-D897-4be2-8F04-BA451C77F1D7}">
-              <ma14:placeholderFlag xmlns:ma14="http://schemas.microsoft.com/office/mac/drawingml/2011/main" xmlns="" val="1"/>
+              <ma14:placeholderFlag xmlns="" xmlns:ma14="http://schemas.microsoft.com/office/mac/drawingml/2011/main" val="1"/>
             </a:ext>
           </a:extLst>
         </p:spPr>
@@ -1708,7 +1708,7 @@
               </a14:hiddenLine>
             </a:ext>
             <a:ext uri="{FAA26D3D-D897-4be2-8F04-BA451C77F1D7}">
-              <ma14:placeholderFlag xmlns:ma14="http://schemas.microsoft.com/office/mac/drawingml/2011/main" xmlns="" val="1"/>
+              <ma14:placeholderFlag xmlns="" xmlns:ma14="http://schemas.microsoft.com/office/mac/drawingml/2011/main" val="1"/>
             </a:ext>
           </a:extLst>
         </p:spPr>
@@ -2114,7 +2114,7 @@
               </a14:hiddenLine>
             </a:ext>
             <a:ext uri="{FAA26D3D-D897-4be2-8F04-BA451C77F1D7}">
-              <ma14:placeholderFlag xmlns:ma14="http://schemas.microsoft.com/office/mac/drawingml/2011/main" xmlns="" val="1"/>
+              <ma14:placeholderFlag xmlns="" xmlns:ma14="http://schemas.microsoft.com/office/mac/drawingml/2011/main" val="1"/>
             </a:ext>
           </a:extLst>
         </p:spPr>
@@ -2363,7 +2363,7 @@
               </a14:hiddenLine>
             </a:ext>
             <a:ext uri="{FAA26D3D-D897-4be2-8F04-BA451C77F1D7}">
-              <ma14:placeholderFlag xmlns:ma14="http://schemas.microsoft.com/office/mac/drawingml/2011/main" xmlns="" val="1"/>
+              <ma14:placeholderFlag xmlns="" xmlns:ma14="http://schemas.microsoft.com/office/mac/drawingml/2011/main" val="1"/>
             </a:ext>
           </a:extLst>
         </p:spPr>
@@ -2612,7 +2612,7 @@
               </a14:hiddenLine>
             </a:ext>
             <a:ext uri="{FAA26D3D-D897-4be2-8F04-BA451C77F1D7}">
-              <ma14:placeholderFlag xmlns:ma14="http://schemas.microsoft.com/office/mac/drawingml/2011/main" xmlns="" val="1"/>
+              <ma14:placeholderFlag xmlns="" xmlns:ma14="http://schemas.microsoft.com/office/mac/drawingml/2011/main" val="1"/>
             </a:ext>
           </a:extLst>
         </p:spPr>
@@ -2861,7 +2861,7 @@
               </a14:hiddenLine>
             </a:ext>
             <a:ext uri="{FAA26D3D-D897-4be2-8F04-BA451C77F1D7}">
-              <ma14:placeholderFlag xmlns:ma14="http://schemas.microsoft.com/office/mac/drawingml/2011/main" xmlns="" val="1"/>
+              <ma14:placeholderFlag xmlns="" xmlns:ma14="http://schemas.microsoft.com/office/mac/drawingml/2011/main" val="1"/>
             </a:ext>
           </a:extLst>
         </p:spPr>
@@ -3110,7 +3110,7 @@
               </a14:hiddenLine>
             </a:ext>
             <a:ext uri="{FAA26D3D-D897-4be2-8F04-BA451C77F1D7}">
-              <ma14:placeholderFlag xmlns:ma14="http://schemas.microsoft.com/office/mac/drawingml/2011/main" xmlns="" val="1"/>
+              <ma14:placeholderFlag xmlns="" xmlns:ma14="http://schemas.microsoft.com/office/mac/drawingml/2011/main" val="1"/>
             </a:ext>
           </a:extLst>
         </p:spPr>
@@ -3359,7 +3359,7 @@
               </a14:hiddenLine>
             </a:ext>
             <a:ext uri="{FAA26D3D-D897-4be2-8F04-BA451C77F1D7}">
-              <ma14:placeholderFlag xmlns:ma14="http://schemas.microsoft.com/office/mac/drawingml/2011/main" xmlns="" val="1"/>
+              <ma14:placeholderFlag xmlns="" xmlns:ma14="http://schemas.microsoft.com/office/mac/drawingml/2011/main" val="1"/>
             </a:ext>
           </a:extLst>
         </p:spPr>
@@ -3608,7 +3608,7 @@
               </a14:hiddenLine>
             </a:ext>
             <a:ext uri="{FAA26D3D-D897-4be2-8F04-BA451C77F1D7}">
-              <ma14:placeholderFlag xmlns:ma14="http://schemas.microsoft.com/office/mac/drawingml/2011/main" xmlns="" val="1"/>
+              <ma14:placeholderFlag xmlns="" xmlns:ma14="http://schemas.microsoft.com/office/mac/drawingml/2011/main" val="1"/>
             </a:ext>
           </a:extLst>
         </p:spPr>
@@ -3857,7 +3857,7 @@
               </a14:hiddenLine>
             </a:ext>
             <a:ext uri="{FAA26D3D-D897-4be2-8F04-BA451C77F1D7}">
-              <ma14:placeholderFlag xmlns:ma14="http://schemas.microsoft.com/office/mac/drawingml/2011/main" xmlns="" val="1"/>
+              <ma14:placeholderFlag xmlns="" xmlns:ma14="http://schemas.microsoft.com/office/mac/drawingml/2011/main" val="1"/>
             </a:ext>
           </a:extLst>
         </p:spPr>
@@ -4106,7 +4106,7 @@
               </a14:hiddenLine>
             </a:ext>
             <a:ext uri="{FAA26D3D-D897-4be2-8F04-BA451C77F1D7}">
-              <ma14:placeholderFlag xmlns:ma14="http://schemas.microsoft.com/office/mac/drawingml/2011/main" xmlns="" val="1"/>
+              <ma14:placeholderFlag xmlns="" xmlns:ma14="http://schemas.microsoft.com/office/mac/drawingml/2011/main" val="1"/>
             </a:ext>
           </a:extLst>
         </p:spPr>
@@ -4355,7 +4355,7 @@
               </a14:hiddenLine>
             </a:ext>
             <a:ext uri="{FAA26D3D-D897-4be2-8F04-BA451C77F1D7}">
-              <ma14:placeholderFlag xmlns:ma14="http://schemas.microsoft.com/office/mac/drawingml/2011/main" xmlns="" val="1"/>
+              <ma14:placeholderFlag xmlns="" xmlns:ma14="http://schemas.microsoft.com/office/mac/drawingml/2011/main" val="1"/>
             </a:ext>
           </a:extLst>
         </p:spPr>
@@ -4604,7 +4604,7 @@
               </a14:hiddenLine>
             </a:ext>
             <a:ext uri="{FAA26D3D-D897-4be2-8F04-BA451C77F1D7}">
-              <ma14:placeholderFlag xmlns:ma14="http://schemas.microsoft.com/office/mac/drawingml/2011/main" xmlns="" val="1"/>
+              <ma14:placeholderFlag xmlns="" xmlns:ma14="http://schemas.microsoft.com/office/mac/drawingml/2011/main" val="1"/>
             </a:ext>
           </a:extLst>
         </p:spPr>
@@ -25456,20 +25456,8 @@
               <a:t>of </a:t>
             </a:r>
             <a:r>
-              <a:rPr lang="en-US" sz="2100" dirty="0" smtClean="0">
-                <a:latin typeface="+mn-lt"/>
-                <a:ea typeface="+mn-ea"/>
-                <a:cs typeface="+mn-cs"/>
-              </a:rPr>
-              <a:t>William </a:t>
-            </a:r>
-            <a:r>
-              <a:rPr lang="en-US" sz="2100" dirty="0" err="1" smtClean="0">
-                <a:latin typeface="+mn-lt"/>
-                <a:ea typeface="+mn-ea"/>
-                <a:cs typeface="+mn-cs"/>
-              </a:rPr>
-              <a:t>Hersh</a:t>
+              <a:rPr lang="en-US" sz="2000" dirty="0"/>
+              <a:t>your instructor</a:t>
             </a:r>
             <a:endParaRPr lang="en-US" sz="2100" dirty="0">
               <a:latin typeface="+mn-lt"/>
@@ -26718,14 +26706,20 @@
           <a:lstStyle/>
           <a:p>
             <a:r>
+              <a:rPr lang="en-US" dirty="0">
+                <a:latin typeface="Calibri" charset="0"/>
+              </a:rPr>
+              <a:t>Over 27,000 terms (“headings”), with 87,000 synonyms (“entry terms”) for those terms</a:t>
+            </a:r>
+          </a:p>
+          <a:p>
+            <a:r>
+              <a:rPr lang="en-US" dirty="0" smtClean="0"/>
+              <a:t>Hierarchical</a:t>
+            </a:r>
+            <a:r>
               <a:rPr lang="en-US" dirty="0"/>
-              <a:t>Over 26,000 terms, with many synonyms for those terms</a:t>
-            </a:r>
-          </a:p>
-          <a:p>
-            <a:r>
-              <a:rPr lang="en-US" dirty="0"/>
-              <a:t>Hierarchical, based on 16 trees, e.g., Anatomy, Diseases, Chemicals and Drugs</a:t>
+              <a:t>, based on 16 trees, e.g., Anatomy, Diseases, Chemicals and Drugs</a:t>
             </a:r>
           </a:p>
           <a:p>
@@ -26844,7 +26838,7 @@
           <a:graphicData uri="http://schemas.openxmlformats.org/presentationml/2006/ole">
             <mc:AlternateContent xmlns:mc="http://schemas.openxmlformats.org/markup-compatibility/2006">
               <mc:Choice xmlns:v="urn:schemas-microsoft-com:vml" Requires="v">
-                <p:oleObj spid="_x0000_s23640" name="VISIO" r:id="rId5" imgW="3906427" imgH="4265165" progId="Visio.Drawing.6">
+                <p:oleObj spid="_x0000_s23644" name="VISIO" r:id="rId5" imgW="3906427" imgH="4265165" progId="Visio.Drawing.6">
                   <p:embed/>
                 </p:oleObj>
               </mc:Choice>
@@ -27510,13 +27504,13 @@
   <p:tag name="ARTICULATE_REFERENCE_COUNT" val="1"/>
   <p:tag name="ARTICULATE_REFERENCE_DESCRIPTION" val="Here are some useful links:"/>
   <p:tag name="ARTICULATE_PLAYER_GLOSSARY_XML" val="&lt;?xml version=&quot;1.0&quot; encoding=&quot;utf-16&quot;?&gt;&lt;glossary xmlns:xsi=&quot;http://www.w3.org/2001/XMLSchema-instance&quot; xmlns:xsd=&quot;http://www.w3.org/2001/XMLSchema&quot;&gt;&lt;terms /&gt;&lt;/glossary&gt;"/>
-  <p:tag name="ARTICULATE_PROJECT_OPEN" val="1"/>
   <p:tag name="TAG_BACKING_FORM_KEY" val="2491644-c:\wamp\www\box sync\bd2k\oer content\bdk12\staged\bdk10-3.pptx"/>
   <p:tag name="ARTICULATE_PRESENTER_VERSION" val="7"/>
   <p:tag name="ARTICULATE_USED_PAGE_ORIENTATION" val="1"/>
   <p:tag name="ARTICULATE_USED_PAGE_SIZE" val="1"/>
   <p:tag name="ARTICULATE_META_COURSE_ID" val="4DpKmK7gwmE_course_id"/>
   <p:tag name="ARTICULATE_META_NAME_SET" val="True"/>
+  <p:tag name="ARTICULATE_PROJECT_OPEN" val="0"/>
 </p:tagLst>
 </file>
 
@@ -27785,6 +27779,7 @@
   <p:tag name="ORIGINAL_AUDIO_FILEPATH" val="C:\wamp\www\Box Sync\BD2K\OER Content\BDK12\Staged\Audio\BDK12-3\redo\Slide 1 - Indexing 1_2.wav"/>
   <p:tag name="ELAPSEDTIME" val="10.602"/>
   <p:tag name="ARTICULATE_USED_LAYOUT" val="1"/>
+  <p:tag name="ARTICULATE_SLIDE_THUMBNAIL_REFRESH" val="1"/>
 </p:tagLst>
 </file>
 
@@ -27807,6 +27802,7 @@
   <p:tag name="ORIGINAL_AUDIO_FILEPATH" val="C:\wamp\www\Box Sync\BD2K\OER Content\BDK12\Staged\Audio\BDK12-3\redo\Slide 2 - Indexing.wav"/>
   <p:tag name="ELAPSEDTIME" val="37.452"/>
   <p:tag name="ARTICULATE_USED_LAYOUT" val="2"/>
+  <p:tag name="ARTICULATE_SLIDE_THUMBNAIL_REFRESH" val="1"/>
 </p:tagLst>
 </file>
 
@@ -27830,6 +27826,7 @@
   <p:tag name="ARTICULATE_PLAYER_CONTROL_RESOURCES" val="False"/>
   <p:tag name="ARTICULATE_PLAYER_CONTROL_GLOSSARY" val="False"/>
   <p:tag name="ARTICULATE_USED_LAYOUT" val="10"/>
+  <p:tag name="ARTICULATE_SLIDE_THUMBNAIL_REFRESH" val="1"/>
 </p:tagLst>
 </file>
 
@@ -27852,6 +27849,7 @@
   <p:tag name="ORIGINAL_AUDIO_FILEPATH" val="C:\wamp\www\Box Sync\BD2K\OER Content\BDK12\Staged\Audio\BDK12-3\redo\Slide 3 - Human indexing.wav"/>
   <p:tag name="ELAPSEDTIME" val="49.782"/>
   <p:tag name="ARTICULATE_USED_LAYOUT" val="2"/>
+  <p:tag name="ARTICULATE_SLIDE_THUMBNAIL_REFRESH" val="1"/>
 </p:tagLst>
 </file>
 
@@ -27874,6 +27872,7 @@
   <p:tag name="ORIGINAL_AUDIO_FILEPATH" val="C:\wamp\www\Box Sync\BD2K\OER Content\BDK12\Staged\Audio\BDK12-3\redo\Slide 4 - Medical Subject Headings (MeSH) vocabulary (Colletti, 2001).wav"/>
   <p:tag name="ELAPSEDTIME" val="123.272"/>
   <p:tag name="ARTICULATE_USED_LAYOUT" val="2"/>
+  <p:tag name="ARTICULATE_SLIDE_THUMBNAIL_REFRESH" val="1"/>
 </p:tagLst>
 </file>
 
@@ -27896,6 +27895,7 @@
   <p:tag name="ORIGINAL_AUDIO_FILEPATH" val="C:\wamp\www\Box Sync\BD2K\OER Content\BDK12\Staged\Audio\BDK12-3\redo\Slide 5 - Slide 5.wav"/>
   <p:tag name="ELAPSEDTIME" val="126.302"/>
   <p:tag name="ARTICULATE_USED_LAYOUT" val="3"/>
+  <p:tag name="ARTICULATE_SLIDE_THUMBNAIL_REFRESH" val="1"/>
 </p:tagLst>
 </file>
 
@@ -27918,6 +27918,7 @@
   <p:tag name="ORIGINAL_AUDIO_FILEPATH" val="C:\wamp\www\Box Sync\BD2K\OER Content\BDK12\Staged\Audio\BDK12-3\redo\Slide 6 - MEDLINE indexing.wav"/>
   <p:tag name="ELAPSEDTIME" val="139.022"/>
   <p:tag name="ARTICULATE_USED_LAYOUT" val="2"/>
+  <p:tag name="ARTICULATE_SLIDE_THUMBNAIL_REFRESH" val="1"/>
 </p:tagLst>
 </file>
 
@@ -27940,6 +27941,7 @@
   <p:tag name="ORIGINAL_AUDIO_FILEPATH" val="C:\wamp\www\Box Sync\BD2K\OER Content\BDK12\Staged\Audio\BDK12-3\redo\Slide 7 - Other bibliographic indexing.wav"/>
   <p:tag name="ELAPSEDTIME" val="75.202"/>
   <p:tag name="ARTICULATE_USED_LAYOUT" val="2"/>
+  <p:tag name="ARTICULATE_SLIDE_THUMBNAIL_REFRESH" val="1"/>
 </p:tagLst>
 </file>
 
@@ -27962,6 +27964,7 @@
   <p:tag name="ORIGINAL_AUDIO_FILEPATH" val="C:\wamp\www\Box Sync\BD2K\OER Content\BDK12\Staged\Audio\BDK12-3\redo\Slide 8 - Other metadata.wav"/>
   <p:tag name="ELAPSEDTIME" val="84.762"/>
   <p:tag name="ARTICULATE_USED_LAYOUT" val="2"/>
+  <p:tag name="ARTICULATE_SLIDE_THUMBNAIL_REFRESH" val="1"/>
 </p:tagLst>
 </file>
 
@@ -27979,6 +27982,7 @@
   <p:tag name="ARTICULATE_PLAYER_CONTROL_RESOURCES" val="False"/>
   <p:tag name="ARTICULATE_PLAYER_CONTROL_GLOSSARY" val="False"/>
   <p:tag name="ARTICULATE_USED_LAYOUT" val="10"/>
+  <p:tag name="ARTICULATE_SLIDE_THUMBNAIL_REFRESH" val="1"/>
 </p:tagLst>
 </file>
 
@@ -28001,6 +28005,7 @@
   <p:tag name="ORIGINAL_AUDIO_FILEPATH" val="C:\wamp\www\Box Sync\BD2K\OER Content\BDK12\Staged\Audio\BDK12-3\redo\Slide 9 - Automated indexing.wav"/>
   <p:tag name="ELAPSEDTIME" val="116.292"/>
   <p:tag name="ARTICULATE_USED_LAYOUT" val="2"/>
+  <p:tag name="ARTICULATE_SLIDE_THUMBNAIL_REFRESH" val="1"/>
 </p:tagLst>
 </file>
 
@@ -28023,6 +28028,7 @@
   <p:tag name="ORIGINAL_AUDIO_FILEPATH" val="C:\wamp\www\Box Sync\BD2K\OER Content\BDK12\Staged\Audio\BDK12-3\redo\Slide 10 - Weighted indexing (Salton, 1991).wav"/>
   <p:tag name="ELAPSEDTIME" val="123.482"/>
   <p:tag name="ARTICULATE_USED_LAYOUT" val="2"/>
+  <p:tag name="ARTICULATE_SLIDE_THUMBNAIL_REFRESH" val="1"/>
 </p:tagLst>
 </file>
 
@@ -28051,6 +28057,7 @@
   <p:tag name="ORIGINAL_AUDIO_FILEPATH" val="C:\wamp\www\Box Sync\BD2K\OER Content\BDK12\Staged\Audio\BDK12-3\redo\Slide 11 - Weighted indexing examples.wav"/>
   <p:tag name="ELAPSEDTIME" val="46.732"/>
   <p:tag name="ARTICULATE_USED_LAYOUT" val="2"/>
+  <p:tag name="ARTICULATE_SLIDE_THUMBNAIL_REFRESH" val="1"/>
 </p:tagLst>
 </file>
 
@@ -28073,6 +28080,7 @@
   <p:tag name="ORIGINAL_AUDIO_FILEPATH" val="C:\wamp\www\Box Sync\BD2K\OER Content\BDK12\Staged\Audio\BDK12-3\redo\Slide 12 - “Visual” indexing – e.g., Wordle, www.wordle.net.wav"/>
   <p:tag name="ELAPSEDTIME" val="59.322"/>
   <p:tag name="ARTICULATE_USED_LAYOUT" val="2"/>
+  <p:tag name="ARTICULATE_SLIDE_THUMBNAIL_REFRESH" val="1"/>
 </p:tagLst>
 </file>
 
@@ -28102,6 +28110,7 @@
   <p:tag name="ORIGINAL_AUDIO_FILEPATH" val="C:\wamp\www\Box Sync\BD2K\OER Content\BDK12\Staged\Audio\BDK12-3\redo\Slide 13 - Citation indexing.wav"/>
   <p:tag name="ELAPSEDTIME" val="100.542"/>
   <p:tag name="ARTICULATE_USED_LAYOUT" val="2"/>
+  <p:tag name="ARTICULATE_SLIDE_THUMBNAIL_REFRESH" val="1"/>
 </p:tagLst>
 </file>
 
@@ -28124,6 +28133,7 @@
   <p:tag name="ORIGINAL_AUDIO_FILEPATH" val="C:\wamp\www\Box Sync\BD2K\OER Content\BDK12\Staged\Audio\BDK12-3\redo\Slide 14 - Limitations of human indexing.wav"/>
   <p:tag name="ELAPSEDTIME" val="92.342"/>
   <p:tag name="ARTICULATE_USED_LAYOUT" val="2"/>
+  <p:tag name="ARTICULATE_SLIDE_THUMBNAIL_REFRESH" val="1"/>
 </p:tagLst>
 </file>
 
@@ -28146,6 +28156,7 @@
   <p:tag name="ORIGINAL_AUDIO_FILEPATH" val="C:\wamp\www\Box Sync\BD2K\OER Content\BDK12\Staged\Audio\BDK12-3\redo\Slide 15 - Limitations of word indexing.wav"/>
   <p:tag name="ELAPSEDTIME" val="129.802"/>
   <p:tag name="ARTICULATE_USED_LAYOUT" val="2"/>
+  <p:tag name="ARTICULATE_SLIDE_THUMBNAIL_REFRESH" val="1"/>
 </p:tagLst>
 </file>
 
